--- a/Presentation/08-SSDS and Rostering API.pptx
+++ b/Presentation/08-SSDS and Rostering API.pptx
@@ -6,10 +6,10 @@
     <p:sldMasterId id="2147484229" r:id="rId5"/>
   </p:sldMasterIdLst>
   <p:notesMasterIdLst>
-    <p:notesMasterId r:id="rId19"/>
+    <p:notesMasterId r:id="rId21"/>
   </p:notesMasterIdLst>
   <p:handoutMasterIdLst>
-    <p:handoutMasterId r:id="rId20"/>
+    <p:handoutMasterId r:id="rId22"/>
   </p:handoutMasterIdLst>
   <p:sldIdLst>
     <p:sldId id="1309" r:id="rId6"/>
@@ -23,8 +23,10 @@
     <p:sldId id="1348" r:id="rId14"/>
     <p:sldId id="1349" r:id="rId15"/>
     <p:sldId id="1350" r:id="rId16"/>
-    <p:sldId id="1323" r:id="rId17"/>
-    <p:sldId id="1341" r:id="rId18"/>
+    <p:sldId id="1352" r:id="rId17"/>
+    <p:sldId id="1353" r:id="rId18"/>
+    <p:sldId id="1323" r:id="rId19"/>
+    <p:sldId id="1341" r:id="rId20"/>
   </p:sldIdLst>
   <p:sldSz cx="12436475" cy="6994525"/>
   <p:notesSz cx="6858000" cy="9144000"/>
@@ -143,6 +145,8 @@
             <p14:sldId id="1348"/>
             <p14:sldId id="1349"/>
             <p14:sldId id="1350"/>
+            <p14:sldId id="1352"/>
+            <p14:sldId id="1353"/>
           </p14:sldIdLst>
         </p14:section>
         <p14:section name="Color Template" id="{A073DAE3-B461-442F-A3D3-6642BD875E45}">
@@ -285,7 +289,7 @@
               <a:rPr lang="en-US" smtClean="0">
                 <a:latin typeface="Segoe UI" pitchFamily="34" charset="0"/>
               </a:rPr>
-              <a:t>5/31/2017 11:01 PM</a:t>
+              <a:t>6/4/2017 1:16 AM</a:t>
             </a:fld>
             <a:endParaRPr lang="en-US" dirty="0">
               <a:latin typeface="Segoe UI" pitchFamily="34" charset="0"/>
@@ -563,7 +567,7 @@
           <a:p>
             <a:fld id="{5A9E72A3-73C3-4EC0-976B-555052BC0BC2}" type="datetime8">
               <a:rPr lang="en-US" smtClean="0"/>
-              <a:t>5/31/2017 11:01 PM</a:t>
+              <a:t>6/4/2017 1:15 AM</a:t>
             </a:fld>
             <a:endParaRPr lang="en-US" dirty="0"/>
           </a:p>
@@ -892,7 +896,7 @@
           <a:p>
             <a:fld id="{506EF3E9-8989-41CF-8301-C50DFCD1A107}" type="datetime8">
               <a:rPr lang="en-US" smtClean="0"/>
-              <a:t>5/31/2017 11:02 PM</a:t>
+              <a:t>6/4/2017 1:15 AM</a:t>
             </a:fld>
             <a:endParaRPr lang="en-US" dirty="0"/>
           </a:p>
@@ -1161,7 +1165,7 @@
                 </a:solidFill>
               </a:rPr>
               <a:pPr/>
-              <a:t>5/31/2017</a:t>
+              <a:t>6/4/2017</a:t>
             </a:fld>
             <a:endParaRPr lang="en-US">
               <a:solidFill>
@@ -1407,7 +1411,7 @@
           <a:p>
             <a:fld id="{59D4D20F-D2F3-4A37-A728-453B5251BCF9}" type="datetime8">
               <a:rPr lang="en-US" smtClean="0"/>
-              <a:t>5/31/2017 11:01 PM</a:t>
+              <a:t>6/4/2017 1:15 AM</a:t>
             </a:fld>
             <a:endParaRPr lang="en-US" dirty="0"/>
           </a:p>
@@ -1431,7 +1435,7 @@
             <a:fld id="{B4008EB6-D09E-4580-8CD6-DDB14511944F}" type="slidenum">
               <a:rPr lang="en-US" smtClean="0"/>
               <a:pPr/>
-              <a:t>12</a:t>
+              <a:t>14</a:t>
             </a:fld>
             <a:endParaRPr lang="en-US" dirty="0"/>
           </a:p>
@@ -1611,7 +1615,7 @@
                   <a:prstClr val="black"/>
                 </a:solidFill>
               </a:rPr>
-              <a:t>5/31/2017 11:01 PM</a:t>
+              <a:t>6/4/2017 1:15 AM</a:t>
             </a:fld>
             <a:endParaRPr lang="en-US" dirty="0">
               <a:solidFill>
@@ -1643,7 +1647,7 @@
                 </a:solidFill>
               </a:rPr>
               <a:pPr/>
-              <a:t>13</a:t>
+              <a:t>15</a:t>
             </a:fld>
             <a:endParaRPr lang="en-US" dirty="0">
               <a:solidFill>
@@ -2030,7 +2034,7 @@
                 <a:tabLst/>
                 <a:defRPr/>
               </a:pPr>
-              <a:t>5/31/2017</a:t>
+              <a:t>6/4/2017</a:t>
             </a:fld>
             <a:endParaRPr kumimoji="0" lang="en-US" sz="1200" b="0" i="0" u="none" strike="noStrike" kern="1200" cap="none" spc="0" normalizeH="0" baseline="0" noProof="0">
               <a:ln>
@@ -2827,7 +2831,7 @@
                 <a:tabLst/>
                 <a:defRPr/>
               </a:pPr>
-              <a:t>5/31/2017 11:09 PM</a:t>
+              <a:t>6/4/2017 1:15 AM</a:t>
             </a:fld>
             <a:endParaRPr kumimoji="0" lang="en-US" sz="1800" b="0" i="0" u="none" strike="noStrike" kern="0" cap="none" spc="0" normalizeH="0" baseline="0" noProof="0" dirty="0">
               <a:ln>
@@ -4115,7 +4119,7 @@
                 </a:solidFill>
               </a:rPr>
               <a:pPr/>
-              <a:t>5/31/2017</a:t>
+              <a:t>6/4/2017</a:t>
             </a:fld>
             <a:endParaRPr lang="en-US">
               <a:solidFill>
@@ -25403,6 +25407,366 @@
             <p:ph type="title"/>
           </p:nvPr>
         </p:nvSpPr>
+        <p:spPr/>
+        <p:txBody>
+          <a:bodyPr/>
+          <a:lstStyle/>
+          <a:p>
+            <a:r>
+              <a:rPr lang="en-US" b="1" dirty="0"/>
+              <a:t>Schools REST API</a:t>
+            </a:r>
+            <a:endParaRPr lang="en-US" dirty="0"/>
+          </a:p>
+        </p:txBody>
+      </p:sp>
+      <p:sp>
+        <p:nvSpPr>
+          <p:cNvPr id="3" name="Text Placeholder 2"/>
+          <p:cNvSpPr>
+            <a:spLocks noGrp="1"/>
+          </p:cNvSpPr>
+          <p:nvPr>
+            <p:ph type="body" sz="quarter" idx="10"/>
+          </p:nvPr>
+        </p:nvSpPr>
+        <p:spPr>
+          <a:xfrm>
+            <a:off x="274638" y="1212850"/>
+            <a:ext cx="11887200" cy="3662541"/>
+          </a:xfrm>
+        </p:spPr>
+        <p:txBody>
+          <a:bodyPr/>
+          <a:lstStyle/>
+          <a:p>
+            <a:r>
+              <a:rPr lang="en-US" dirty="0"/>
+              <a:t>Properties are implemented as custom attribute extensions</a:t>
+            </a:r>
+          </a:p>
+          <a:p>
+            <a:pPr lvl="1"/>
+            <a:r>
+              <a:rPr lang="en-US" dirty="0"/>
+              <a:t>(extension_fe2174665583431c953114ff7268b7b3…)</a:t>
+            </a:r>
+          </a:p>
+          <a:p>
+            <a:r>
+              <a:rPr lang="en-US" dirty="0"/>
+              <a:t>Entities are standard AAD semantics</a:t>
+            </a:r>
+          </a:p>
+          <a:p>
+            <a:pPr lvl="1"/>
+            <a:r>
+              <a:rPr lang="en-US" dirty="0"/>
+              <a:t>Schools -  Administrative Units</a:t>
+            </a:r>
+          </a:p>
+          <a:p>
+            <a:pPr lvl="1"/>
+            <a:r>
+              <a:rPr lang="en-US" dirty="0"/>
+              <a:t>Sections - Unified Groups</a:t>
+            </a:r>
+          </a:p>
+          <a:p>
+            <a:pPr lvl="1"/>
+            <a:r>
+              <a:rPr lang="en-US" dirty="0"/>
+              <a:t>Students – users with the ".._</a:t>
+            </a:r>
+            <a:r>
+              <a:rPr lang="en-US" dirty="0" err="1"/>
+              <a:t>Education_ObjectType</a:t>
+            </a:r>
+            <a:r>
+              <a:rPr lang="en-US" dirty="0"/>
+              <a:t>“ = "Student"</a:t>
+            </a:r>
+          </a:p>
+          <a:p>
+            <a:pPr lvl="1"/>
+            <a:r>
+              <a:rPr lang="en-US" dirty="0"/>
+              <a:t>Teachers – users with the “…_</a:t>
+            </a:r>
+            <a:r>
+              <a:rPr lang="en-US" dirty="0" err="1"/>
+              <a:t>Education_ObjectType</a:t>
+            </a:r>
+            <a:r>
+              <a:rPr lang="en-US" dirty="0"/>
+              <a:t>“  = “Teacher"</a:t>
+            </a:r>
+          </a:p>
+        </p:txBody>
+      </p:sp>
+    </p:spTree>
+    <p:extLst>
+      <p:ext uri="{BB962C8B-B14F-4D97-AF65-F5344CB8AC3E}">
+        <p14:creationId xmlns:p14="http://schemas.microsoft.com/office/powerpoint/2010/main" val="225481601"/>
+      </p:ext>
+    </p:extLst>
+  </p:cSld>
+  <p:clrMapOvr>
+    <a:masterClrMapping/>
+  </p:clrMapOvr>
+  <p:transition>
+    <p:fade/>
+  </p:transition>
+</p:sld>
+</file>
+
+<file path=ppt/slides/slide13.xml><?xml version="1.0" encoding="utf-8"?>
+<p:sld xmlns:a="http://schemas.openxmlformats.org/drawingml/2006/main" xmlns:r="http://schemas.openxmlformats.org/officeDocument/2006/relationships" xmlns:p="http://schemas.openxmlformats.org/presentationml/2006/main">
+  <p:cSld>
+    <p:spTree>
+      <p:nvGrpSpPr>
+        <p:cNvPr id="1" name=""/>
+        <p:cNvGrpSpPr/>
+        <p:nvPr/>
+      </p:nvGrpSpPr>
+      <p:grpSpPr>
+        <a:xfrm>
+          <a:off x="0" y="0"/>
+          <a:ext cx="0" cy="0"/>
+          <a:chOff x="0" y="0"/>
+          <a:chExt cx="0" cy="0"/>
+        </a:xfrm>
+      </p:grpSpPr>
+      <p:sp>
+        <p:nvSpPr>
+          <p:cNvPr id="2" name="Title 1"/>
+          <p:cNvSpPr>
+            <a:spLocks noGrp="1"/>
+          </p:cNvSpPr>
+          <p:nvPr>
+            <p:ph type="title"/>
+          </p:nvPr>
+        </p:nvSpPr>
+        <p:spPr/>
+        <p:txBody>
+          <a:bodyPr/>
+          <a:lstStyle/>
+          <a:p>
+            <a:r>
+              <a:rPr lang="en-US" dirty="0"/>
+              <a:t>OData Queries to Search</a:t>
+            </a:r>
+          </a:p>
+        </p:txBody>
+      </p:sp>
+      <p:sp>
+        <p:nvSpPr>
+          <p:cNvPr id="3" name="Text Placeholder 2"/>
+          <p:cNvSpPr>
+            <a:spLocks noGrp="1"/>
+          </p:cNvSpPr>
+          <p:nvPr>
+            <p:ph type="body" sz="quarter" idx="10"/>
+          </p:nvPr>
+        </p:nvSpPr>
+        <p:spPr>
+          <a:xfrm>
+            <a:off x="274638" y="1221157"/>
+            <a:ext cx="11887199" cy="5364545"/>
+          </a:xfrm>
+        </p:spPr>
+        <p:txBody>
+          <a:bodyPr/>
+          <a:lstStyle/>
+          <a:p>
+            <a:r>
+              <a:rPr lang="en-US" dirty="0"/>
+              <a:t>Find all students</a:t>
+            </a:r>
+          </a:p>
+          <a:p>
+            <a:r>
+              <a:rPr lang="en-US" dirty="0"/>
+              <a:t>…/users? &amp;$filter={</a:t>
+            </a:r>
+            <a:r>
+              <a:rPr lang="en-US" dirty="0" err="1"/>
+              <a:t>eduExtensionId</a:t>
+            </a:r>
+            <a:r>
+              <a:rPr lang="en-US" dirty="0"/>
+              <a:t>}_ObjectType%20eq%20'{</a:t>
+            </a:r>
+            <a:r>
+              <a:rPr lang="en-US" dirty="0" err="1"/>
+              <a:t>eduObjectTypeStudent</a:t>
+            </a:r>
+            <a:r>
+              <a:rPr lang="en-US" dirty="0"/>
+              <a:t>}’</a:t>
+            </a:r>
+          </a:p>
+          <a:p>
+            <a:endParaRPr lang="en-US" dirty="0"/>
+          </a:p>
+          <a:p>
+            <a:r>
+              <a:rPr lang="en-US" dirty="0"/>
+              <a:t>Get students and teachers in section</a:t>
+            </a:r>
+          </a:p>
+          <a:p>
+            <a:r>
+              <a:rPr lang="en-US" dirty="0"/>
+              <a:t>$"groups/{</a:t>
+            </a:r>
+            <a:r>
+              <a:rPr lang="en-US" dirty="0" err="1"/>
+              <a:t>sectionId</a:t>
+            </a:r>
+            <a:r>
+              <a:rPr lang="en-US" dirty="0"/>
+              <a:t>}?</a:t>
+            </a:r>
+            <a:r>
+              <a:rPr lang="en-US" dirty="0" err="1"/>
+              <a:t>api</a:t>
+            </a:r>
+            <a:r>
+              <a:rPr lang="en-US" dirty="0"/>
+              <a:t>-version=beta&amp;$expand=members</a:t>
+            </a:r>
+          </a:p>
+          <a:p>
+            <a:endParaRPr lang="en-US" dirty="0"/>
+          </a:p>
+          <a:p>
+            <a:endParaRPr lang="en-US" dirty="0"/>
+          </a:p>
+        </p:txBody>
+      </p:sp>
+      <p:sp>
+        <p:nvSpPr>
+          <p:cNvPr id="5" name="Rectangle 4"/>
+          <p:cNvSpPr/>
+          <p:nvPr/>
+        </p:nvSpPr>
+        <p:spPr bwMode="auto">
+          <a:xfrm>
+            <a:off x="0" y="6316662"/>
+            <a:ext cx="12436475" cy="677863"/>
+          </a:xfrm>
+          <a:prstGeom prst="rect">
+            <a:avLst/>
+          </a:prstGeom>
+          <a:solidFill>
+            <a:schemeClr val="accent1"/>
+          </a:solidFill>
+          <a:ln>
+            <a:noFill/>
+            <a:headEnd type="none" w="med" len="med"/>
+            <a:tailEnd type="none" w="med" len="med"/>
+          </a:ln>
+          <a:effectLst/>
+        </p:spPr>
+        <p:style>
+          <a:lnRef idx="1">
+            <a:schemeClr val="accent2"/>
+          </a:lnRef>
+          <a:fillRef idx="3">
+            <a:schemeClr val="accent2"/>
+          </a:fillRef>
+          <a:effectRef idx="2">
+            <a:schemeClr val="accent2"/>
+          </a:effectRef>
+          <a:fontRef idx="minor">
+            <a:schemeClr val="lt1"/>
+          </a:fontRef>
+        </p:style>
+        <p:txBody>
+          <a:bodyPr rot="0" spcFirstLastPara="0" vertOverflow="overflow" horzOverflow="overflow" vert="horz" wrap="square" lIns="182880" tIns="146304" rIns="182880" bIns="146304" numCol="1" spcCol="0" rtlCol="0" fromWordArt="0" anchor="t" anchorCtr="0" forceAA="0" compatLnSpc="1">
+            <a:prstTxWarp prst="textNoShape">
+              <a:avLst/>
+            </a:prstTxWarp>
+            <a:noAutofit/>
+          </a:bodyPr>
+          <a:lstStyle/>
+          <a:p>
+            <a:pPr algn="ctr" defTabSz="932472" fontAlgn="base">
+              <a:lnSpc>
+                <a:spcPct val="90000"/>
+              </a:lnSpc>
+              <a:spcBef>
+                <a:spcPct val="0"/>
+              </a:spcBef>
+              <a:spcAft>
+                <a:spcPct val="0"/>
+              </a:spcAft>
+            </a:pPr>
+            <a:r>
+              <a:rPr lang="en-US" dirty="0">
+                <a:gradFill>
+                  <a:gsLst>
+                    <a:gs pos="0">
+                      <a:srgbClr val="FFFFFF"/>
+                    </a:gs>
+                    <a:gs pos="100000">
+                      <a:srgbClr val="FFFFFF"/>
+                    </a:gs>
+                  </a:gsLst>
+                  <a:lin ang="5400000" scaled="0"/>
+                </a:gradFill>
+                <a:ea typeface="Segoe UI" pitchFamily="34" charset="0"/>
+                <a:cs typeface="Segoe UI" pitchFamily="34" charset="0"/>
+              </a:rPr>
+              <a:t>See: https://msdn.microsoft.com/en-us/office/office365/api/complex-types-for-mail-contacts-calendar#use-odata-query-parameters</a:t>
+            </a:r>
+          </a:p>
+        </p:txBody>
+      </p:sp>
+    </p:spTree>
+    <p:extLst>
+      <p:ext uri="{BB962C8B-B14F-4D97-AF65-F5344CB8AC3E}">
+        <p14:creationId xmlns:p14="http://schemas.microsoft.com/office/powerpoint/2010/main" val="2129110320"/>
+      </p:ext>
+    </p:extLst>
+  </p:cSld>
+  <p:clrMapOvr>
+    <a:masterClrMapping/>
+  </p:clrMapOvr>
+  <p:transition>
+    <p:fade/>
+  </p:transition>
+</p:sld>
+</file>
+
+<file path=ppt/slides/slide14.xml><?xml version="1.0" encoding="utf-8"?>
+<p:sld xmlns:a="http://schemas.openxmlformats.org/drawingml/2006/main" xmlns:r="http://schemas.openxmlformats.org/officeDocument/2006/relationships" xmlns:p="http://schemas.openxmlformats.org/presentationml/2006/main">
+  <p:cSld>
+    <p:spTree>
+      <p:nvGrpSpPr>
+        <p:cNvPr id="1" name=""/>
+        <p:cNvGrpSpPr/>
+        <p:nvPr/>
+      </p:nvGrpSpPr>
+      <p:grpSpPr>
+        <a:xfrm>
+          <a:off x="0" y="0"/>
+          <a:ext cx="0" cy="0"/>
+          <a:chOff x="0" y="0"/>
+          <a:chExt cx="0" cy="0"/>
+        </a:xfrm>
+      </p:grpSpPr>
+      <p:sp>
+        <p:nvSpPr>
+          <p:cNvPr id="2" name="Title 1"/>
+          <p:cNvSpPr>
+            <a:spLocks noGrp="1"/>
+          </p:cNvSpPr>
+          <p:nvPr>
+            <p:ph type="title"/>
+          </p:nvPr>
+        </p:nvSpPr>
         <p:spPr>
           <a:xfrm>
             <a:off x="274639" y="1241426"/>
@@ -25455,7 +25819,7 @@
 </p:sld>
 </file>
 
-<file path=ppt/slides/slide13.xml><?xml version="1.0" encoding="utf-8"?>
+<file path=ppt/slides/slide15.xml><?xml version="1.0" encoding="utf-8"?>
 <p:sld xmlns:a="http://schemas.openxmlformats.org/drawingml/2006/main" xmlns:r="http://schemas.openxmlformats.org/officeDocument/2006/relationships" xmlns:p="http://schemas.openxmlformats.org/presentationml/2006/main">
   <p:cSld>
     <p:spTree>
@@ -47724,12 +48088,9 @@
 </file>
 
 <file path=customXml/item1.xml><?xml version="1.0" encoding="utf-8"?>
-<?mso-contentType ?>
-<FormTemplates xmlns="http://schemas.microsoft.com/sharepoint/v3/contenttype/forms">
-  <Display>DocumentLibraryForm</Display>
-  <Edit>DocumentLibraryForm</Edit>
-  <New>DocumentLibraryForm</New>
-</FormTemplates>
+<p:properties xmlns:p="http://schemas.microsoft.com/office/2006/metadata/properties" xmlns:xsi="http://www.w3.org/2001/XMLSchema-instance" xmlns:pc="http://schemas.microsoft.com/office/infopath/2007/PartnerControls">
+  <documentManagement/>
+</p:properties>
 </file>
 
 <file path=customXml/item2.xml><?xml version="1.0" encoding="utf-8"?>
@@ -47887,15 +48248,26 @@
 </file>
 
 <file path=customXml/item3.xml><?xml version="1.0" encoding="utf-8"?>
-<p:properties xmlns:p="http://schemas.microsoft.com/office/2006/metadata/properties" xmlns:xsi="http://www.w3.org/2001/XMLSchema-instance" xmlns:pc="http://schemas.microsoft.com/office/infopath/2007/PartnerControls">
-  <documentManagement/>
-</p:properties>
+<?mso-contentType ?>
+<FormTemplates xmlns="http://schemas.microsoft.com/sharepoint/v3/contenttype/forms">
+  <Display>DocumentLibraryForm</Display>
+  <Edit>DocumentLibraryForm</Edit>
+  <New>DocumentLibraryForm</New>
+</FormTemplates>
 </file>
 
 <file path=customXml/itemProps1.xml><?xml version="1.0" encoding="utf-8"?>
-<ds:datastoreItem xmlns:ds="http://schemas.openxmlformats.org/officeDocument/2006/customXml" ds:itemID="{758FDAC0-319D-4A54-8D8E-1D42CB1F8004}">
+<ds:datastoreItem xmlns:ds="http://schemas.openxmlformats.org/officeDocument/2006/customXml" ds:itemID="{F990F116-B58F-4255-B05B-DA3808E0E5C6}">
   <ds:schemaRefs>
-    <ds:schemaRef ds:uri="http://schemas.microsoft.com/sharepoint/v3/contenttype/forms"/>
+    <ds:schemaRef ds:uri="http://schemas.openxmlformats.org/package/2006/metadata/core-properties"/>
+    <ds:schemaRef ds:uri="630a2e83-186a-4a0f-ab27-bee8a8096abc"/>
+    <ds:schemaRef ds:uri="http://schemas.microsoft.com/office/2006/documentManagement/types"/>
+    <ds:schemaRef ds:uri="http://schemas.microsoft.com/office/infopath/2007/PartnerControls"/>
+    <ds:schemaRef ds:uri="http://purl.org/dc/elements/1.1/"/>
+    <ds:schemaRef ds:uri="http://schemas.microsoft.com/office/2006/metadata/properties"/>
+    <ds:schemaRef ds:uri="http://purl.org/dc/terms/"/>
+    <ds:schemaRef ds:uri="http://www.w3.org/XML/1998/namespace"/>
+    <ds:schemaRef ds:uri="http://purl.org/dc/dcmitype/"/>
   </ds:schemaRefs>
 </ds:datastoreItem>
 </file>
@@ -47919,17 +48291,9 @@
 </file>
 
 <file path=customXml/itemProps3.xml><?xml version="1.0" encoding="utf-8"?>
-<ds:datastoreItem xmlns:ds="http://schemas.openxmlformats.org/officeDocument/2006/customXml" ds:itemID="{F990F116-B58F-4255-B05B-DA3808E0E5C6}">
+<ds:datastoreItem xmlns:ds="http://schemas.openxmlformats.org/officeDocument/2006/customXml" ds:itemID="{758FDAC0-319D-4A54-8D8E-1D42CB1F8004}">
   <ds:schemaRefs>
-    <ds:schemaRef ds:uri="http://schemas.openxmlformats.org/package/2006/metadata/core-properties"/>
-    <ds:schemaRef ds:uri="630a2e83-186a-4a0f-ab27-bee8a8096abc"/>
-    <ds:schemaRef ds:uri="http://schemas.microsoft.com/office/2006/documentManagement/types"/>
-    <ds:schemaRef ds:uri="http://schemas.microsoft.com/office/infopath/2007/PartnerControls"/>
-    <ds:schemaRef ds:uri="http://purl.org/dc/elements/1.1/"/>
-    <ds:schemaRef ds:uri="http://schemas.microsoft.com/office/2006/metadata/properties"/>
-    <ds:schemaRef ds:uri="http://purl.org/dc/terms/"/>
-    <ds:schemaRef ds:uri="http://www.w3.org/XML/1998/namespace"/>
-    <ds:schemaRef ds:uri="http://purl.org/dc/dcmitype/"/>
+    <ds:schemaRef ds:uri="http://schemas.microsoft.com/sharepoint/v3/contenttype/forms"/>
   </ds:schemaRefs>
 </ds:datastoreItem>
 </file>